--- a/Crawl Walk Talk_Slide Deck.pptx
+++ b/Crawl Walk Talk_Slide Deck.pptx
@@ -217,7 +217,7 @@
           <a:p>
             <a:fld id="{F9B0B765-6EFC-4E67-A609-5A2DD4CB2622}" type="datetimeFigureOut">
               <a:rPr lang="en-US" smtClean="0"/>
-              <a:t>11/19/2014</a:t>
+              <a:t>3/3/2015</a:t>
             </a:fld>
             <a:endParaRPr lang="en-US"/>
           </a:p>
@@ -3333,15 +3333,7 @@
             </a:br>
             <a:r>
               <a:rPr lang="en-US" dirty="0" smtClean="0"/>
-              <a:t>Windows Universal </a:t>
-            </a:r>
-            <a:r>
-              <a:rPr lang="en-US" dirty="0" smtClean="0"/>
-              <a:t>App </a:t>
-            </a:r>
-            <a:r>
-              <a:rPr lang="en-US" dirty="0" smtClean="0"/>
-              <a:t>Lifecycle</a:t>
+              <a:t>Windows Universal App Lifecycle</a:t>
             </a:r>
             <a:br>
               <a:rPr lang="en-US" dirty="0" smtClean="0"/>
@@ -3476,58 +3468,6 @@
                 <a:hlinkClick r:id="rId3"/>
               </a:rPr>
               <a:t>http://blogs.interknowlogy.com/author/dannywarren/</a:t>
-            </a:r>
-            <a:endParaRPr lang="en-US" dirty="0"/>
-          </a:p>
-        </p:txBody>
-      </p:sp>
-      <p:sp>
-        <p:nvSpPr>
-          <p:cNvPr id="3" name="Rectangle 2"/>
-          <p:cNvSpPr/>
-          <p:nvPr/>
-        </p:nvSpPr>
-        <p:spPr>
-          <a:xfrm>
-            <a:off x="457200" y="2057400"/>
-            <a:ext cx="8229600" cy="369332"/>
-          </a:xfrm>
-          <a:prstGeom prst="rect">
-            <a:avLst/>
-          </a:prstGeom>
-        </p:spPr>
-        <p:txBody>
-          <a:bodyPr wrap="square">
-            <a:spAutoFit/>
-          </a:bodyPr>
-          <a:lstStyle/>
-          <a:p>
-            <a:pPr algn="ctr"/>
-            <a:r>
-              <a:rPr lang="en-US" dirty="0" smtClean="0">
-                <a:hlinkClick r:id="rId4"/>
-              </a:rPr>
-              <a:t>http</a:t>
-            </a:r>
-            <a:r>
-              <a:rPr lang="en-US" dirty="0">
-                <a:hlinkClick r:id="rId4"/>
-              </a:rPr>
-              <a:t>://blogs.interknowlogy.com/2014/11/19/neadnug-crawl-walk-talk</a:t>
-            </a:r>
-            <a:r>
-              <a:rPr lang="en-US" dirty="0" smtClean="0">
-                <a:hlinkClick r:id="rId4"/>
-              </a:rPr>
-              <a:t>/</a:t>
-            </a:r>
-            <a:r>
-              <a:rPr lang="en-US" dirty="0" smtClean="0"/>
-              <a:t> </a:t>
-            </a:r>
-            <a:r>
-              <a:rPr lang="en-US" dirty="0" smtClean="0"/>
-              <a:t> </a:t>
             </a:r>
             <a:endParaRPr lang="en-US" dirty="0"/>
           </a:p>
@@ -3768,23 +3708,9 @@
             </a:pPr>
             <a:r>
               <a:rPr lang="en-US" dirty="0" smtClean="0">
-                <a:hlinkClick r:id="rId5"/>
+                <a:hlinkClick r:id="rId4"/>
               </a:rPr>
               <a:t>findyourcalling@interknowlogy.com</a:t>
-            </a:r>
-            <a:endParaRPr lang="en-US" dirty="0" smtClean="0"/>
-          </a:p>
-          <a:p>
-            <a:pPr marL="0" indent="0" algn="ctr">
-              <a:buNone/>
-            </a:pPr>
-            <a:r>
-              <a:rPr lang="en-US" dirty="0" smtClean="0"/>
-              <a:t>Mention </a:t>
-            </a:r>
-            <a:r>
-              <a:rPr lang="en-US" dirty="0" err="1" smtClean="0"/>
-              <a:t>NEAdNUG</a:t>
             </a:r>
             <a:endParaRPr lang="en-US" dirty="0" smtClean="0"/>
           </a:p>

--- a/Crawl Walk Talk_Slide Deck.pptx
+++ b/Crawl Walk Talk_Slide Deck.pptx
@@ -217,7 +217,7 @@
           <a:p>
             <a:fld id="{F9B0B765-6EFC-4E67-A609-5A2DD4CB2622}" type="datetimeFigureOut">
               <a:rPr lang="en-US" smtClean="0"/>
-              <a:t>3/3/2015</a:t>
+              <a:t>3/5/2015</a:t>
             </a:fld>
             <a:endParaRPr lang="en-US"/>
           </a:p>
@@ -4243,7 +4243,7 @@
       </p:grpSpPr>
       <p:pic>
         <p:nvPicPr>
-          <p:cNvPr id="13" name="Picture 12"/>
+          <p:cNvPr id="3" name="Picture 2"/>
           <p:cNvPicPr>
             <a:picLocks noChangeAspect="1"/>
           </p:cNvPicPr>
@@ -4263,8 +4263,8 @@
         </p:blipFill>
         <p:spPr>
           <a:xfrm>
-            <a:off x="0" y="0"/>
-            <a:ext cx="9511788" cy="6858000"/>
+            <a:off x="-139189" y="0"/>
+            <a:ext cx="9511789" cy="6858000"/>
           </a:xfrm>
           <a:prstGeom prst="rect">
             <a:avLst/>
